--- a/Soutenance_mini.pptx
+++ b/Soutenance_mini.pptx
@@ -205,7 +205,7 @@
           <a:p>
             <a:fld id="{C5495B23-B40A-40FC-B23E-5FDDCE069B5D}" type="datetimeFigureOut">
               <a:rPr lang="fr-FR" smtClean="0"/>
-              <a:t>24/01/2018</a:t>
+              <a:t>26/01/2018</a:t>
             </a:fld>
             <a:endParaRPr lang="fr-FR"/>
           </a:p>
@@ -371,7 +371,7 @@
           <a:p>
             <a:fld id="{522BA693-6A0C-4013-A985-1D1A07B02BE0}" type="datetimeFigureOut">
               <a:rPr lang="fr-FR" smtClean="0"/>
-              <a:t>24/01/2018</a:t>
+              <a:t>26/01/2018</a:t>
             </a:fld>
             <a:endParaRPr lang="fr-FR"/>
           </a:p>
@@ -1420,7 +1420,7 @@
           <a:p>
             <a:fld id="{4FE36861-76F0-4DFC-BC4F-9354408819A9}" type="datetime1">
               <a:rPr lang="en-US" smtClean="0"/>
-              <a:t>1/24/2018</a:t>
+              <a:t>1/26/2018</a:t>
             </a:fld>
             <a:endParaRPr lang="en-US"/>
           </a:p>
@@ -1604,7 +1604,7 @@
           <a:p>
             <a:fld id="{0065636B-5211-423F-9E4C-69162865E509}" type="datetime1">
               <a:rPr lang="en-US" smtClean="0"/>
-              <a:t>1/24/2018</a:t>
+              <a:t>1/26/2018</a:t>
             </a:fld>
             <a:endParaRPr lang="en-US"/>
           </a:p>
@@ -1780,7 +1780,7 @@
           <a:p>
             <a:fld id="{0BFA1D85-18D9-4AF0-88F4-ED7E06D0BA69}" type="datetime1">
               <a:rPr lang="en-US" smtClean="0"/>
-              <a:t>1/24/2018</a:t>
+              <a:t>1/26/2018</a:t>
             </a:fld>
             <a:endParaRPr lang="en-US"/>
           </a:p>
@@ -1946,7 +1946,7 @@
           <a:p>
             <a:fld id="{B1C6EF21-D8E2-4FED-87FE-F02AE8AEB24A}" type="datetime1">
               <a:rPr lang="en-US" smtClean="0"/>
-              <a:t>1/24/2018</a:t>
+              <a:t>1/26/2018</a:t>
             </a:fld>
             <a:endParaRPr lang="en-US"/>
           </a:p>
@@ -2168,7 +2168,7 @@
           <a:p>
             <a:fld id="{87FB909D-72AD-47CF-B470-4214C9D41C61}" type="datetime1">
               <a:rPr lang="en-US" smtClean="0"/>
-              <a:t>1/24/2018</a:t>
+              <a:t>1/26/2018</a:t>
             </a:fld>
             <a:endParaRPr lang="en-US"/>
           </a:p>
@@ -2428,7 +2428,7 @@
           <a:p>
             <a:fld id="{DC8BE30B-9DCB-499A-9A89-FFB1608DE60E}" type="datetime1">
               <a:rPr lang="en-US" smtClean="0"/>
-              <a:t>1/24/2018</a:t>
+              <a:t>1/26/2018</a:t>
             </a:fld>
             <a:endParaRPr lang="en-US"/>
           </a:p>
@@ -2833,7 +2833,7 @@
           <a:p>
             <a:fld id="{C733344C-CD63-4274-800F-14F676588C37}" type="datetime1">
               <a:rPr lang="en-US" smtClean="0"/>
-              <a:t>1/24/2018</a:t>
+              <a:t>1/26/2018</a:t>
             </a:fld>
             <a:endParaRPr lang="en-US"/>
           </a:p>
@@ -2965,7 +2965,7 @@
           <a:p>
             <a:fld id="{C12F266F-2C44-4502-82AF-6D4FF9377C88}" type="datetime1">
               <a:rPr lang="en-US" smtClean="0"/>
-              <a:t>1/24/2018</a:t>
+              <a:t>1/26/2018</a:t>
             </a:fld>
             <a:endParaRPr lang="en-US"/>
           </a:p>
@@ -3066,7 +3066,7 @@
           <a:p>
             <a:fld id="{93012E88-3526-4907-8605-BCD72E9217DC}" type="datetime1">
               <a:rPr lang="en-US" smtClean="0"/>
-              <a:t>1/24/2018</a:t>
+              <a:t>1/26/2018</a:t>
             </a:fld>
             <a:endParaRPr lang="en-US"/>
           </a:p>
@@ -3312,7 +3312,7 @@
           <a:p>
             <a:fld id="{BBA8D125-EDC3-48E9-8F98-6EFDD112B558}" type="datetime1">
               <a:rPr lang="en-US" smtClean="0"/>
-              <a:t>1/24/2018</a:t>
+              <a:t>1/26/2018</a:t>
             </a:fld>
             <a:endParaRPr lang="en-US"/>
           </a:p>
@@ -3557,7 +3557,7 @@
           <a:p>
             <a:fld id="{111CD66A-46A7-451C-BA07-51224E588689}" type="datetime1">
               <a:rPr lang="en-US" smtClean="0"/>
-              <a:t>1/24/2018</a:t>
+              <a:t>1/26/2018</a:t>
             </a:fld>
             <a:endParaRPr lang="en-US"/>
           </a:p>
@@ -4382,7 +4382,7 @@
           <a:p>
             <a:fld id="{B7F0E714-DD62-4651-8758-EE196128C64A}" type="datetime1">
               <a:rPr lang="en-US" smtClean="0"/>
-              <a:t>1/24/2018</a:t>
+              <a:t>1/26/2018</a:t>
             </a:fld>
             <a:endParaRPr lang="en-US"/>
           </a:p>
@@ -5741,68 +5741,6 @@
           </a:prstGeom>
         </p:spPr>
       </p:pic>
-      <p:sp>
-        <p:nvSpPr>
-          <p:cNvPr id="10" name="TextBox 9"/>
-          <p:cNvSpPr txBox="1"/>
-          <p:nvPr/>
-        </p:nvSpPr>
-        <p:spPr>
-          <a:xfrm>
-            <a:off x="0" y="0"/>
-            <a:ext cx="5257800" cy="338554"/>
-          </a:xfrm>
-          <a:prstGeom prst="rect">
-            <a:avLst/>
-          </a:prstGeom>
-          <a:noFill/>
-        </p:spPr>
-        <p:txBody>
-          <a:bodyPr wrap="square" rtlCol="0">
-            <a:spAutoFit/>
-          </a:bodyPr>
-          <a:lstStyle/>
-          <a:p>
-            <a:r>
-              <a:rPr lang="fr-FR" sz="1600" dirty="0">
-                <a:solidFill>
-                  <a:schemeClr val="bg1"/>
-                </a:solidFill>
-              </a:rPr>
-              <a:t>2. </a:t>
-            </a:r>
-            <a:r>
-              <a:rPr lang="fr-FR" sz="1600" dirty="0" smtClean="0">
-                <a:solidFill>
-                  <a:schemeClr val="bg1"/>
-                </a:solidFill>
-              </a:rPr>
-              <a:t>d) La </a:t>
-            </a:r>
-            <a:r>
-              <a:rPr lang="fr-FR" sz="1600" dirty="0">
-                <a:solidFill>
-                  <a:schemeClr val="bg1"/>
-                </a:solidFill>
-              </a:rPr>
-              <a:t>situation de </a:t>
-            </a:r>
-            <a:r>
-              <a:rPr lang="fr-FR" sz="1600" dirty="0" smtClean="0">
-                <a:solidFill>
-                  <a:schemeClr val="bg1"/>
-                </a:solidFill>
-              </a:rPr>
-              <a:t>réussite</a:t>
-            </a:r>
-            <a:endParaRPr lang="fr-FR" sz="1600" dirty="0">
-              <a:solidFill>
-                <a:schemeClr val="bg1"/>
-              </a:solidFill>
-            </a:endParaRPr>
-          </a:p>
-        </p:txBody>
-      </p:sp>
       <p:pic>
         <p:nvPicPr>
           <p:cNvPr id="2050" name="Picture 2" descr="L’image contient peut-être : bandes"/>
